--- a/Slides/Psy524-05-MultilevelLinearModels.pptx
+++ b/Slides/Psy524-05-MultilevelLinearModels.pptx
@@ -249,7 +249,7 @@
           <a:p>
             <a:fld id="{EFA12E2F-A9B4-4734-B75B-7C1455DF39E5}" type="datetimeFigureOut">
               <a:rPr lang="en-US" smtClean="0"/>
-              <a:t>2/19/2019</a:t>
+              <a:t>2/20/2019</a:t>
             </a:fld>
             <a:endParaRPr lang="en-US"/>
           </a:p>
@@ -762,7 +762,7 @@
           <a:p>
             <a:fld id="{03D27D80-0ED9-4A5D-A485-8622B3BEACEF}" type="datetime1">
               <a:rPr lang="en-US" smtClean="0"/>
-              <a:t>2/19/2019</a:t>
+              <a:t>2/20/2019</a:t>
             </a:fld>
             <a:endParaRPr lang="en-US" dirty="0"/>
           </a:p>
@@ -1024,7 +1024,7 @@
           <a:p>
             <a:fld id="{382AA5FA-CC0B-4C50-876E-37BED72DE41F}" type="datetime1">
               <a:rPr lang="en-US" smtClean="0"/>
-              <a:t>2/19/2019</a:t>
+              <a:t>2/20/2019</a:t>
             </a:fld>
             <a:endParaRPr lang="en-US" dirty="0"/>
           </a:p>
@@ -1259,7 +1259,7 @@
           <a:p>
             <a:fld id="{B4744163-2EF6-45CD-B0D4-F06378233933}" type="datetime1">
               <a:rPr lang="en-US" smtClean="0"/>
-              <a:t>2/19/2019</a:t>
+              <a:t>2/20/2019</a:t>
             </a:fld>
             <a:endParaRPr lang="en-US" dirty="0"/>
           </a:p>
@@ -1538,7 +1538,7 @@
           <a:p>
             <a:fld id="{4DE0A2BE-EC33-46D2-827E-CB30A64179EB}" type="datetime1">
               <a:rPr lang="en-US" smtClean="0"/>
-              <a:t>2/19/2019</a:t>
+              <a:t>2/20/2019</a:t>
             </a:fld>
             <a:endParaRPr lang="en-US" dirty="0"/>
           </a:p>
@@ -1844,7 +1844,7 @@
           <a:p>
             <a:fld id="{5441D8B3-65AA-4989-A2BE-87D70DC0201A}" type="datetime1">
               <a:rPr lang="en-US" smtClean="0"/>
-              <a:t>2/19/2019</a:t>
+              <a:t>2/20/2019</a:t>
             </a:fld>
             <a:endParaRPr lang="en-US" dirty="0"/>
           </a:p>
@@ -2146,7 +2146,7 @@
           <a:p>
             <a:fld id="{AF4F578E-FB2F-452D-94AD-243FF6DD3FD3}" type="datetime1">
               <a:rPr lang="en-US" smtClean="0"/>
-              <a:t>2/19/2019</a:t>
+              <a:t>2/20/2019</a:t>
             </a:fld>
             <a:endParaRPr lang="en-US" dirty="0"/>
           </a:p>
@@ -2565,7 +2565,7 @@
           <a:p>
             <a:fld id="{726D41FA-935A-494F-B865-B2E9AAE52B5B}" type="datetime1">
               <a:rPr lang="en-US" smtClean="0"/>
-              <a:t>2/19/2019</a:t>
+              <a:t>2/20/2019</a:t>
             </a:fld>
             <a:endParaRPr lang="en-US" dirty="0"/>
           </a:p>
@@ -2726,7 +2726,7 @@
           <a:p>
             <a:fld id="{ACEB28B6-34E9-4A64-8F81-711423687AC6}" type="datetime1">
               <a:rPr lang="en-US" smtClean="0"/>
-              <a:t>2/19/2019</a:t>
+              <a:t>2/20/2019</a:t>
             </a:fld>
             <a:endParaRPr lang="en-US" dirty="0"/>
           </a:p>
@@ -2821,7 +2821,7 @@
           <a:p>
             <a:fld id="{1FD00D97-745E-4495-A083-8C7EBBD66A41}" type="datetime1">
               <a:rPr lang="en-US" smtClean="0"/>
-              <a:t>2/19/2019</a:t>
+              <a:t>2/20/2019</a:t>
             </a:fld>
             <a:endParaRPr lang="en-US" dirty="0"/>
           </a:p>
@@ -3199,7 +3199,7 @@
           <a:p>
             <a:fld id="{00454053-FE0A-4A62-924B-12C0FB8EE042}" type="datetime1">
               <a:rPr lang="en-US" smtClean="0"/>
-              <a:t>2/19/2019</a:t>
+              <a:t>2/20/2019</a:t>
             </a:fld>
             <a:endParaRPr lang="en-US" dirty="0"/>
           </a:p>
@@ -3488,7 +3488,7 @@
           <a:p>
             <a:fld id="{9084CB76-567E-4C6F-8341-C91BA3499933}" type="datetime1">
               <a:rPr lang="en-US" smtClean="0"/>
-              <a:t>2/19/2019</a:t>
+              <a:t>2/20/2019</a:t>
             </a:fld>
             <a:endParaRPr lang="en-US" dirty="0"/>
           </a:p>
@@ -3699,7 +3699,7 @@
           <a:p>
             <a:fld id="{1BD876C9-6324-45A1-BECB-474A96908BEB}" type="datetime1">
               <a:rPr lang="en-US" smtClean="0"/>
-              <a:t>2/19/2019</a:t>
+              <a:t>2/20/2019</a:t>
             </a:fld>
             <a:endParaRPr lang="en-US" dirty="0"/>
           </a:p>
@@ -4887,7 +4887,7 @@
           <a:graphicData uri="http://schemas.openxmlformats.org/presentationml/2006/ole">
             <mc:AlternateContent xmlns:mc="http://schemas.openxmlformats.org/markup-compatibility/2006">
               <mc:Choice xmlns:v="urn:schemas-microsoft-com:vml" Requires="v">
-                <p:oleObj spid="_x0000_s7188" name="Worksheet" r:id="rId3" imgW="3597264" imgH="5410339" progId="Excel.Sheet.12">
+                <p:oleObj spid="_x0000_s7194" name="Worksheet" r:id="rId3" imgW="3597264" imgH="5410339" progId="Excel.Sheet.12">
                   <p:embed/>
                 </p:oleObj>
               </mc:Choice>
@@ -5233,7 +5233,7 @@
           <a:graphicData uri="http://schemas.openxmlformats.org/presentationml/2006/ole">
             <mc:AlternateContent xmlns:mc="http://schemas.openxmlformats.org/markup-compatibility/2006">
               <mc:Choice xmlns:v="urn:schemas-microsoft-com:vml" Requires="v">
-                <p:oleObj spid="_x0000_s8211" name="Worksheet" r:id="rId3" imgW="3333867" imgH="4409902" progId="Excel.Sheet.12">
+                <p:oleObj spid="_x0000_s8217" name="Worksheet" r:id="rId3" imgW="3333867" imgH="4409902" progId="Excel.Sheet.12">
                   <p:embed/>
                 </p:oleObj>
               </mc:Choice>
@@ -6915,7 +6915,7 @@
           <a:graphicData uri="http://schemas.openxmlformats.org/presentationml/2006/ole">
             <mc:AlternateContent xmlns:mc="http://schemas.openxmlformats.org/markup-compatibility/2006">
               <mc:Choice xmlns:v="urn:schemas-microsoft-com:vml" Requires="v">
-                <p:oleObj spid="_x0000_s1043" name="Equation" r:id="rId3" imgW="1511280" imgH="228600" progId="Equation.DSMT4">
+                <p:oleObj spid="_x0000_s1049" name="Equation" r:id="rId3" imgW="1511280" imgH="228600" progId="Equation.DSMT4">
                   <p:embed/>
                 </p:oleObj>
               </mc:Choice>
@@ -8198,7 +8198,7 @@
           <a:graphicData uri="http://schemas.openxmlformats.org/presentationml/2006/ole">
             <mc:AlternateContent xmlns:mc="http://schemas.openxmlformats.org/markup-compatibility/2006">
               <mc:Choice xmlns:v="urn:schemas-microsoft-com:vml" Requires="v">
-                <p:oleObj spid="_x0000_s9252" name="Equation" r:id="rId3" imgW="1447560" imgH="241200" progId="Equation.DSMT4">
+                <p:oleObj spid="_x0000_s9270" name="Equation" r:id="rId3" imgW="1447560" imgH="241200" progId="Equation.DSMT4">
                   <p:embed/>
                 </p:oleObj>
               </mc:Choice>
@@ -8261,7 +8261,7 @@
           <a:graphicData uri="http://schemas.openxmlformats.org/presentationml/2006/ole">
             <mc:AlternateContent xmlns:mc="http://schemas.openxmlformats.org/markup-compatibility/2006">
               <mc:Choice xmlns:v="urn:schemas-microsoft-com:vml" Requires="v">
-                <p:oleObj spid="_x0000_s9253" name="Equation" r:id="rId5" imgW="1587240" imgH="507960" progId="Equation.DSMT4">
+                <p:oleObj spid="_x0000_s9271" name="Equation" r:id="rId5" imgW="1587240" imgH="507960" progId="Equation.DSMT4">
                   <p:embed/>
                 </p:oleObj>
               </mc:Choice>
@@ -8324,7 +8324,7 @@
           <a:graphicData uri="http://schemas.openxmlformats.org/presentationml/2006/ole">
             <mc:AlternateContent xmlns:mc="http://schemas.openxmlformats.org/markup-compatibility/2006">
               <mc:Choice xmlns:v="urn:schemas-microsoft-com:vml" Requires="v">
-                <p:oleObj spid="_x0000_s9254" name="Equation" r:id="rId7" imgW="1269720" imgH="228600" progId="Equation.DSMT4">
+                <p:oleObj spid="_x0000_s9272" name="Equation" r:id="rId7" imgW="1269720" imgH="228600" progId="Equation.DSMT4">
                   <p:embed/>
                 </p:oleObj>
               </mc:Choice>
@@ -8412,7 +8412,7 @@
 </file>
 
 <file path=ppt/slides/slide26.xml><?xml version="1.0" encoding="utf-8"?>
-<p:sld xmlns:a="http://schemas.openxmlformats.org/drawingml/2006/main" xmlns:r="http://schemas.openxmlformats.org/officeDocument/2006/relationships" xmlns:p="http://schemas.openxmlformats.org/presentationml/2006/main">
+<p:sld xmlns:a="http://schemas.openxmlformats.org/drawingml/2006/main" xmlns:r="http://schemas.openxmlformats.org/officeDocument/2006/relationships" xmlns:p="http://schemas.openxmlformats.org/presentationml/2006/main" showMasterSp="0">
   <p:cSld>
     <p:spTree>
       <p:nvGrpSpPr>
@@ -8825,7 +8825,7 @@
           <a:graphicData uri="http://schemas.openxmlformats.org/presentationml/2006/ole">
             <mc:AlternateContent xmlns:mc="http://schemas.openxmlformats.org/markup-compatibility/2006">
               <mc:Choice xmlns:v="urn:schemas-microsoft-com:vml" Requires="v">
-                <p:oleObj spid="_x0000_s10244" name="Equation" r:id="rId3" imgW="1447560" imgH="241200" progId="Equation.DSMT4">
+                <p:oleObj spid="_x0000_s10256" name="Equation" r:id="rId3" imgW="1447560" imgH="241200" progId="Equation.DSMT4">
                   <p:embed/>
                 </p:oleObj>
               </mc:Choice>
@@ -8890,7 +8890,7 @@
           <a:graphicData uri="http://schemas.openxmlformats.org/presentationml/2006/ole">
             <mc:AlternateContent xmlns:mc="http://schemas.openxmlformats.org/markup-compatibility/2006">
               <mc:Choice xmlns:v="urn:schemas-microsoft-com:vml" Requires="v">
-                <p:oleObj spid="_x0000_s10245" name="Equation" r:id="rId5" imgW="1473120" imgH="482400" progId="Equation.DSMT4">
+                <p:oleObj spid="_x0000_s10257" name="Equation" r:id="rId5" imgW="1473120" imgH="482400" progId="Equation.DSMT4">
                   <p:embed/>
                 </p:oleObj>
               </mc:Choice>
@@ -8945,7 +8945,7 @@
 </file>
 
 <file path=ppt/slides/slide27.xml><?xml version="1.0" encoding="utf-8"?>
-<p:sld xmlns:a="http://schemas.openxmlformats.org/drawingml/2006/main" xmlns:r="http://schemas.openxmlformats.org/officeDocument/2006/relationships" xmlns:p="http://schemas.openxmlformats.org/presentationml/2006/main">
+<p:sld xmlns:a="http://schemas.openxmlformats.org/drawingml/2006/main" xmlns:r="http://schemas.openxmlformats.org/officeDocument/2006/relationships" xmlns:p="http://schemas.openxmlformats.org/presentationml/2006/main" showMasterSp="0">
   <p:cSld>
     <p:spTree>
       <p:nvGrpSpPr>
@@ -9214,7 +9214,7 @@
           <a:graphicData uri="http://schemas.openxmlformats.org/presentationml/2006/ole">
             <mc:AlternateContent xmlns:mc="http://schemas.openxmlformats.org/markup-compatibility/2006">
               <mc:Choice xmlns:v="urn:schemas-microsoft-com:vml" Requires="v">
-                <p:oleObj spid="_x0000_s11268" name="Equation" r:id="rId3" imgW="1447560" imgH="241200" progId="Equation.DSMT4">
+                <p:oleObj spid="_x0000_s11280" name="Equation" r:id="rId3" imgW="1447560" imgH="241200" progId="Equation.DSMT4">
                   <p:embed/>
                 </p:oleObj>
               </mc:Choice>
@@ -9279,7 +9279,7 @@
           <a:graphicData uri="http://schemas.openxmlformats.org/presentationml/2006/ole">
             <mc:AlternateContent xmlns:mc="http://schemas.openxmlformats.org/markup-compatibility/2006">
               <mc:Choice xmlns:v="urn:schemas-microsoft-com:vml" Requires="v">
-                <p:oleObj spid="_x0000_s11269" name="Equation" r:id="rId5" imgW="1473120" imgH="482400" progId="Equation.DSMT4">
+                <p:oleObj spid="_x0000_s11281" name="Equation" r:id="rId5" imgW="1473120" imgH="482400" progId="Equation.DSMT4">
                   <p:embed/>
                 </p:oleObj>
               </mc:Choice>
@@ -9866,7 +9866,7 @@
           <a:graphicData uri="http://schemas.openxmlformats.org/presentationml/2006/ole">
             <mc:AlternateContent xmlns:mc="http://schemas.openxmlformats.org/markup-compatibility/2006">
               <mc:Choice xmlns:v="urn:schemas-microsoft-com:vml" Requires="v">
-                <p:oleObj spid="_x0000_s12291" name="Equation" r:id="rId4" imgW="685800" imgH="228600" progId="Equation.DSMT4">
+                <p:oleObj spid="_x0000_s12297" name="Equation" r:id="rId4" imgW="685800" imgH="228600" progId="Equation.DSMT4">
                   <p:embed/>
                 </p:oleObj>
               </mc:Choice>
@@ -10173,7 +10173,7 @@
           <a:graphicData uri="http://schemas.openxmlformats.org/presentationml/2006/ole">
             <mc:AlternateContent xmlns:mc="http://schemas.openxmlformats.org/markup-compatibility/2006">
               <mc:Choice xmlns:v="urn:schemas-microsoft-com:vml" Requires="v">
-                <p:oleObj spid="_x0000_s2067" name="Worksheet" r:id="rId3" imgW="3667171" imgH="3943558" progId="Excel.Sheet.12">
+                <p:oleObj spid="_x0000_s2073" name="Worksheet" r:id="rId3" imgW="3667171" imgH="3943558" progId="Excel.Sheet.12">
                   <p:embed/>
                 </p:oleObj>
               </mc:Choice>
@@ -10941,6 +10941,51 @@
                       </p:childTnLst>
                     </p:cTn>
                   </p:par>
+                  <p:par>
+                    <p:cTn id="7" fill="hold">
+                      <p:stCondLst>
+                        <p:cond delay="indefinite"/>
+                      </p:stCondLst>
+                      <p:childTnLst>
+                        <p:par>
+                          <p:cTn id="8" fill="hold">
+                            <p:stCondLst>
+                              <p:cond delay="0"/>
+                            </p:stCondLst>
+                            <p:childTnLst>
+                              <p:par>
+                                <p:cTn id="9" presetID="1" presetClass="entr" presetSubtype="0" fill="hold" nodeType="clickEffect">
+                                  <p:stCondLst>
+                                    <p:cond delay="0"/>
+                                  </p:stCondLst>
+                                  <p:childTnLst>
+                                    <p:set>
+                                      <p:cBhvr>
+                                        <p:cTn id="10" dur="1" fill="hold">
+                                          <p:stCondLst>
+                                            <p:cond delay="0"/>
+                                          </p:stCondLst>
+                                        </p:cTn>
+                                        <p:tgtEl>
+                                          <p:spTgt spid="39"/>
+                                        </p:tgtEl>
+                                        <p:attrNameLst>
+                                          <p:attrName>style.visibility</p:attrName>
+                                        </p:attrNameLst>
+                                      </p:cBhvr>
+                                      <p:to>
+                                        <p:strVal val="visible"/>
+                                      </p:to>
+                                    </p:set>
+                                  </p:childTnLst>
+                                </p:cTn>
+                              </p:par>
+                            </p:childTnLst>
+                          </p:cTn>
+                        </p:par>
+                      </p:childTnLst>
+                    </p:cTn>
+                  </p:par>
                 </p:childTnLst>
               </p:cTn>
               <p:prevCondLst>
@@ -11260,7 +11305,7 @@
           <a:graphicData uri="http://schemas.openxmlformats.org/presentationml/2006/ole">
             <mc:AlternateContent xmlns:mc="http://schemas.openxmlformats.org/markup-compatibility/2006">
               <mc:Choice xmlns:v="urn:schemas-microsoft-com:vml" Requires="v">
-                <p:oleObj spid="_x0000_s13316" name="Equation" r:id="rId3" imgW="787320" imgH="241200" progId="Equation.DSMT4">
+                <p:oleObj spid="_x0000_s13328" name="Equation" r:id="rId3" imgW="787320" imgH="241200" progId="Equation.DSMT4">
                   <p:embed/>
                 </p:oleObj>
               </mc:Choice>
@@ -11325,7 +11370,7 @@
           <a:graphicData uri="http://schemas.openxmlformats.org/presentationml/2006/ole">
             <mc:AlternateContent xmlns:mc="http://schemas.openxmlformats.org/markup-compatibility/2006">
               <mc:Choice xmlns:v="urn:schemas-microsoft-com:vml" Requires="v">
-                <p:oleObj spid="_x0000_s13317" name="Equation" r:id="rId5" imgW="888840" imgH="241200" progId="Equation.DSMT4">
+                <p:oleObj spid="_x0000_s13329" name="Equation" r:id="rId5" imgW="888840" imgH="241200" progId="Equation.DSMT4">
                   <p:embed/>
                 </p:oleObj>
               </mc:Choice>
@@ -15019,7 +15064,7 @@
           <a:graphicData uri="http://schemas.openxmlformats.org/presentationml/2006/ole">
             <mc:AlternateContent xmlns:mc="http://schemas.openxmlformats.org/markup-compatibility/2006">
               <mc:Choice xmlns:v="urn:schemas-microsoft-com:vml" Requires="v">
-                <p:oleObj spid="_x0000_s14340" name="Equation" r:id="rId3" imgW="888840" imgH="241200" progId="Equation.DSMT4">
+                <p:oleObj spid="_x0000_s14354" name="Equation" r:id="rId3" imgW="888840" imgH="241200" progId="Equation.DSMT4">
                   <p:embed/>
                 </p:oleObj>
               </mc:Choice>
@@ -15084,7 +15129,7 @@
           <a:graphicData uri="http://schemas.openxmlformats.org/presentationml/2006/ole">
             <mc:AlternateContent xmlns:mc="http://schemas.openxmlformats.org/markup-compatibility/2006">
               <mc:Choice xmlns:v="urn:schemas-microsoft-com:vml" Requires="v">
-                <p:oleObj spid="_x0000_s14341" name="Equation" r:id="rId5" imgW="2031840" imgH="241200" progId="Equation.DSMT4">
+                <p:oleObj spid="_x0000_s14355" name="Equation" r:id="rId5" imgW="2031840" imgH="241200" progId="Equation.DSMT4">
                   <p:embed/>
                 </p:oleObj>
               </mc:Choice>
@@ -16107,109 +16152,130 @@
           </p:style>
         </p:cxnSp>
       </p:grpSp>
-      <p:sp>
-        <p:nvSpPr>
-          <p:cNvPr id="33" name="TextBox 32">
-            <a:extLst>
-              <a:ext uri="{FF2B5EF4-FFF2-40B4-BE49-F238E27FC236}">
-                <a16:creationId xmlns:a16="http://schemas.microsoft.com/office/drawing/2014/main" id="{966359DA-D0CC-4E0F-BF26-1754B82CB8B5}"/>
-              </a:ext>
-            </a:extLst>
-          </p:cNvPr>
-          <p:cNvSpPr txBox="1"/>
+      <p:grpSp>
+        <p:nvGrpSpPr>
+          <p:cNvPr id="3" name="Group 2">
+            <a:extLst>
+              <a:ext uri="{FF2B5EF4-FFF2-40B4-BE49-F238E27FC236}">
+                <a16:creationId xmlns:a16="http://schemas.microsoft.com/office/drawing/2014/main" id="{31F3A845-4AAE-427F-908E-8379FAC8365D}"/>
+              </a:ext>
+            </a:extLst>
+          </p:cNvPr>
+          <p:cNvGrpSpPr/>
           <p:nvPr/>
-        </p:nvSpPr>
-        <p:spPr>
+        </p:nvGrpSpPr>
+        <p:grpSpPr>
           <a:xfrm>
-            <a:off x="5509756" y="3464770"/>
-            <a:ext cx="1403439" cy="523220"/>
+            <a:off x="5509756" y="3311596"/>
+            <a:ext cx="1519694" cy="676394"/>
+            <a:chOff x="5509756" y="3311596"/>
+            <a:chExt cx="1519694" cy="676394"/>
           </a:xfrm>
-          <a:prstGeom prst="rect">
-            <a:avLst/>
-          </a:prstGeom>
-          <a:noFill/>
-        </p:spPr>
-        <p:txBody>
-          <a:bodyPr wrap="square" rtlCol="0">
-            <a:spAutoFit/>
-          </a:bodyPr>
-          <a:lstStyle/>
-          <a:p>
-            <a:pPr algn="ctr"/>
-            <a:r>
-              <a:rPr lang="el-GR" sz="2800" i="1" dirty="0">
+        </p:grpSpPr>
+        <p:sp>
+          <p:nvSpPr>
+            <p:cNvPr id="33" name="TextBox 32">
+              <a:extLst>
+                <a:ext uri="{FF2B5EF4-FFF2-40B4-BE49-F238E27FC236}">
+                  <a16:creationId xmlns:a16="http://schemas.microsoft.com/office/drawing/2014/main" id="{966359DA-D0CC-4E0F-BF26-1754B82CB8B5}"/>
+                </a:ext>
+              </a:extLst>
+            </p:cNvPr>
+            <p:cNvSpPr txBox="1"/>
+            <p:nvPr/>
+          </p:nvSpPr>
+          <p:spPr>
+            <a:xfrm>
+              <a:off x="5509756" y="3464770"/>
+              <a:ext cx="1403439" cy="523220"/>
+            </a:xfrm>
+            <a:prstGeom prst="rect">
+              <a:avLst/>
+            </a:prstGeom>
+            <a:noFill/>
+          </p:spPr>
+          <p:txBody>
+            <a:bodyPr wrap="square" rtlCol="0">
+              <a:spAutoFit/>
+            </a:bodyPr>
+            <a:lstStyle/>
+            <a:p>
+              <a:pPr algn="ctr"/>
+              <a:r>
+                <a:rPr lang="el-GR" sz="2800" i="1" dirty="0">
+                  <a:solidFill>
+                    <a:srgbClr val="FF0000"/>
+                  </a:solidFill>
+                  <a:latin typeface="Times New Roman" panose="02020603050405020304" pitchFamily="18" charset="0"/>
+                  <a:cs typeface="Times New Roman" panose="02020603050405020304" pitchFamily="18" charset="0"/>
+                </a:rPr>
+                <a:t>β</a:t>
+              </a:r>
+              <a:r>
+                <a:rPr lang="en-US" sz="2800" baseline="-25000" dirty="0">
+                  <a:solidFill>
+                    <a:srgbClr val="FF0000"/>
+                  </a:solidFill>
+                  <a:latin typeface="Bookman Old Style" panose="02050604050505020204" pitchFamily="18" charset="0"/>
+                  <a:cs typeface="Times New Roman" panose="02020603050405020304" pitchFamily="18" charset="0"/>
+                </a:rPr>
+                <a:t>1</a:t>
+              </a:r>
+              <a:endParaRPr lang="en-US" sz="2800" dirty="0">
                 <a:solidFill>
                   <a:srgbClr val="FF0000"/>
                 </a:solidFill>
                 <a:latin typeface="Times New Roman" panose="02020603050405020304" pitchFamily="18" charset="0"/>
                 <a:cs typeface="Times New Roman" panose="02020603050405020304" pitchFamily="18" charset="0"/>
-              </a:rPr>
-              <a:t>β</a:t>
-            </a:r>
-            <a:r>
-              <a:rPr lang="en-US" sz="2800" baseline="-25000" dirty="0">
-                <a:solidFill>
-                  <a:srgbClr val="FF0000"/>
-                </a:solidFill>
-                <a:latin typeface="Bookman Old Style" panose="02050604050505020204" pitchFamily="18" charset="0"/>
-                <a:cs typeface="Times New Roman" panose="02020603050405020304" pitchFamily="18" charset="0"/>
-              </a:rPr>
-              <a:t>1</a:t>
-            </a:r>
-            <a:endParaRPr lang="en-US" sz="2800" dirty="0">
+              </a:endParaRPr>
+            </a:p>
+          </p:txBody>
+        </p:sp>
+        <p:cxnSp>
+          <p:nvCxnSpPr>
+            <p:cNvPr id="34" name="Straight Arrow Connector 33">
+              <a:extLst>
+                <a:ext uri="{FF2B5EF4-FFF2-40B4-BE49-F238E27FC236}">
+                  <a16:creationId xmlns:a16="http://schemas.microsoft.com/office/drawing/2014/main" id="{4DDFB9F6-724A-4343-A20B-663DCEFD0A14}"/>
+                </a:ext>
+              </a:extLst>
+            </p:cNvPr>
+            <p:cNvCxnSpPr>
+              <a:cxnSpLocks/>
+            </p:cNvCxnSpPr>
+            <p:nvPr/>
+          </p:nvCxnSpPr>
+          <p:spPr>
+            <a:xfrm flipV="1">
+              <a:off x="6500813" y="3311596"/>
+              <a:ext cx="528637" cy="361629"/>
+            </a:xfrm>
+            <a:prstGeom prst="straightConnector1">
+              <a:avLst/>
+            </a:prstGeom>
+            <a:ln w="47625">
               <a:solidFill>
                 <a:srgbClr val="FF0000"/>
               </a:solidFill>
-              <a:latin typeface="Times New Roman" panose="02020603050405020304" pitchFamily="18" charset="0"/>
-              <a:cs typeface="Times New Roman" panose="02020603050405020304" pitchFamily="18" charset="0"/>
-            </a:endParaRPr>
-          </a:p>
-        </p:txBody>
-      </p:sp>
-      <p:cxnSp>
-        <p:nvCxnSpPr>
-          <p:cNvPr id="34" name="Straight Arrow Connector 33">
-            <a:extLst>
-              <a:ext uri="{FF2B5EF4-FFF2-40B4-BE49-F238E27FC236}">
-                <a16:creationId xmlns:a16="http://schemas.microsoft.com/office/drawing/2014/main" id="{4DDFB9F6-724A-4343-A20B-663DCEFD0A14}"/>
-              </a:ext>
-            </a:extLst>
-          </p:cNvPr>
-          <p:cNvCxnSpPr>
-            <a:cxnSpLocks/>
-          </p:cNvCxnSpPr>
-          <p:nvPr/>
-        </p:nvCxnSpPr>
-        <p:spPr>
-          <a:xfrm flipV="1">
-            <a:off x="6500813" y="3311596"/>
-            <a:ext cx="528637" cy="361629"/>
-          </a:xfrm>
-          <a:prstGeom prst="straightConnector1">
-            <a:avLst/>
-          </a:prstGeom>
-          <a:ln w="47625">
-            <a:solidFill>
-              <a:srgbClr val="FF0000"/>
-            </a:solidFill>
-            <a:tailEnd type="triangle"/>
-          </a:ln>
-        </p:spPr>
-        <p:style>
-          <a:lnRef idx="1">
-            <a:schemeClr val="accent1"/>
-          </a:lnRef>
-          <a:fillRef idx="0">
-            <a:schemeClr val="accent1"/>
-          </a:fillRef>
-          <a:effectRef idx="0">
-            <a:schemeClr val="accent1"/>
-          </a:effectRef>
-          <a:fontRef idx="minor">
-            <a:schemeClr val="tx1"/>
-          </a:fontRef>
-        </p:style>
-      </p:cxnSp>
+              <a:tailEnd type="triangle"/>
+            </a:ln>
+          </p:spPr>
+          <p:style>
+            <a:lnRef idx="1">
+              <a:schemeClr val="accent1"/>
+            </a:lnRef>
+            <a:fillRef idx="0">
+              <a:schemeClr val="accent1"/>
+            </a:fillRef>
+            <a:effectRef idx="0">
+              <a:schemeClr val="accent1"/>
+            </a:effectRef>
+            <a:fontRef idx="minor">
+              <a:schemeClr val="tx1"/>
+            </a:fontRef>
+          </p:style>
+        </p:cxnSp>
+      </p:grpSp>
     </p:spTree>
     <p:extLst>
       <p:ext uri="{BB962C8B-B14F-4D97-AF65-F5344CB8AC3E}">
@@ -16299,7 +16365,7 @@
                                           </p:stCondLst>
                                         </p:cTn>
                                         <p:tgtEl>
-                                          <p:spTgt spid="22"/>
+                                          <p:spTgt spid="3"/>
                                         </p:tgtEl>
                                         <p:attrNameLst>
                                           <p:attrName>style.visibility</p:attrName>
@@ -16339,6 +16405,51 @@
                                     <p:set>
                                       <p:cBhvr>
                                         <p:cTn id="14" dur="1" fill="hold">
+                                          <p:stCondLst>
+                                            <p:cond delay="0"/>
+                                          </p:stCondLst>
+                                        </p:cTn>
+                                        <p:tgtEl>
+                                          <p:spTgt spid="22"/>
+                                        </p:tgtEl>
+                                        <p:attrNameLst>
+                                          <p:attrName>style.visibility</p:attrName>
+                                        </p:attrNameLst>
+                                      </p:cBhvr>
+                                      <p:to>
+                                        <p:strVal val="visible"/>
+                                      </p:to>
+                                    </p:set>
+                                  </p:childTnLst>
+                                </p:cTn>
+                              </p:par>
+                            </p:childTnLst>
+                          </p:cTn>
+                        </p:par>
+                      </p:childTnLst>
+                    </p:cTn>
+                  </p:par>
+                  <p:par>
+                    <p:cTn id="15" fill="hold">
+                      <p:stCondLst>
+                        <p:cond delay="indefinite"/>
+                      </p:stCondLst>
+                      <p:childTnLst>
+                        <p:par>
+                          <p:cTn id="16" fill="hold">
+                            <p:stCondLst>
+                              <p:cond delay="0"/>
+                            </p:stCondLst>
+                            <p:childTnLst>
+                              <p:par>
+                                <p:cTn id="17" presetID="1" presetClass="entr" presetSubtype="0" fill="hold" nodeType="clickEffect">
+                                  <p:stCondLst>
+                                    <p:cond delay="0"/>
+                                  </p:stCondLst>
+                                  <p:childTnLst>
+                                    <p:set>
+                                      <p:cBhvr>
+                                        <p:cTn id="18" dur="1" fill="hold">
                                           <p:stCondLst>
                                             <p:cond delay="0"/>
                                           </p:stCondLst>
@@ -16610,7 +16721,7 @@
           <a:graphicData uri="http://schemas.openxmlformats.org/presentationml/2006/ole">
             <mc:AlternateContent xmlns:mc="http://schemas.openxmlformats.org/markup-compatibility/2006">
               <mc:Choice xmlns:v="urn:schemas-microsoft-com:vml" Requires="v">
-                <p:oleObj spid="_x0000_s3093" name="Equation" r:id="rId3" imgW="2158920" imgH="241200" progId="Equation.DSMT4">
+                <p:oleObj spid="_x0000_s3099" name="Equation" r:id="rId3" imgW="2158920" imgH="241200" progId="Equation.DSMT4">
                   <p:embed/>
                 </p:oleObj>
               </mc:Choice>
@@ -17774,23 +17885,27 @@
             <a:graphicFrameLocks noChangeAspect="1"/>
           </p:cNvGraphicFramePr>
           <p:nvPr>
-            <p:extLst/>
+            <p:extLst>
+              <p:ext uri="{D42A27DB-BD31-4B8C-83A1-F6EECF244321}">
+                <p14:modId xmlns:p14="http://schemas.microsoft.com/office/powerpoint/2010/main" val="1456313812"/>
+              </p:ext>
+            </p:extLst>
           </p:nvPr>
         </p:nvGraphicFramePr>
         <p:xfrm>
-          <a:off x="2454275" y="3553978"/>
-          <a:ext cx="6496050" cy="771525"/>
+          <a:off x="2373313" y="3554413"/>
+          <a:ext cx="6657975" cy="771525"/>
         </p:xfrm>
         <a:graphic>
           <a:graphicData uri="http://schemas.openxmlformats.org/presentationml/2006/ole">
             <mc:AlternateContent xmlns:mc="http://schemas.openxmlformats.org/markup-compatibility/2006">
               <mc:Choice xmlns:v="urn:schemas-microsoft-com:vml" Requires="v">
-                <p:oleObj spid="_x0000_s15364" name="Equation" r:id="rId3" imgW="2031840" imgH="241200" progId="Equation.DSMT4">
+                <p:oleObj spid="_x0000_s15378" name="Equation" r:id="rId3" imgW="2082600" imgH="241200" progId="Equation.DSMT4">
                   <p:embed/>
                 </p:oleObj>
               </mc:Choice>
               <mc:Fallback>
-                <p:oleObj name="Equation" r:id="rId3" imgW="2031840" imgH="241200" progId="Equation.DSMT4">
+                <p:oleObj name="Equation" r:id="rId3" imgW="2082600" imgH="241200" progId="Equation.DSMT4">
                   <p:embed/>
                   <p:pic>
                     <p:nvPicPr>
@@ -17812,8 +17927,8 @@
                     </p:blipFill>
                     <p:spPr>
                       <a:xfrm>
-                        <a:off x="2454275" y="3553978"/>
-                        <a:ext cx="6496050" cy="771525"/>
+                        <a:off x="2373313" y="3554413"/>
+                        <a:ext cx="6657975" cy="771525"/>
                       </a:xfrm>
                       <a:prstGeom prst="rect">
                         <a:avLst/>
@@ -17850,7 +17965,7 @@
           <a:graphicData uri="http://schemas.openxmlformats.org/presentationml/2006/ole">
             <mc:AlternateContent xmlns:mc="http://schemas.openxmlformats.org/markup-compatibility/2006">
               <mc:Choice xmlns:v="urn:schemas-microsoft-com:vml" Requires="v">
-                <p:oleObj spid="_x0000_s15365" name="Equation" r:id="rId5" imgW="888840" imgH="482400" progId="Equation.DSMT4">
+                <p:oleObj spid="_x0000_s15379" name="Equation" r:id="rId5" imgW="888840" imgH="482400" progId="Equation.DSMT4">
                   <p:embed/>
                 </p:oleObj>
               </mc:Choice>
@@ -20968,23 +21083,27 @@
             <a:graphicFrameLocks noChangeAspect="1"/>
           </p:cNvGraphicFramePr>
           <p:nvPr>
-            <p:extLst/>
+            <p:extLst>
+              <p:ext uri="{D42A27DB-BD31-4B8C-83A1-F6EECF244321}">
+                <p14:modId xmlns:p14="http://schemas.microsoft.com/office/powerpoint/2010/main" val="3160657074"/>
+              </p:ext>
+            </p:extLst>
           </p:nvPr>
         </p:nvGraphicFramePr>
         <p:xfrm>
-          <a:off x="2454275" y="3553978"/>
-          <a:ext cx="6496050" cy="771525"/>
+          <a:off x="2454275" y="3568772"/>
+          <a:ext cx="6657975" cy="771525"/>
         </p:xfrm>
         <a:graphic>
           <a:graphicData uri="http://schemas.openxmlformats.org/presentationml/2006/ole">
             <mc:AlternateContent xmlns:mc="http://schemas.openxmlformats.org/markup-compatibility/2006">
               <mc:Choice xmlns:v="urn:schemas-microsoft-com:vml" Requires="v">
-                <p:oleObj spid="_x0000_s16388" name="Equation" r:id="rId3" imgW="2031840" imgH="241200" progId="Equation.DSMT4">
+                <p:oleObj spid="_x0000_s16400" name="Equation" r:id="rId3" imgW="2082600" imgH="241200" progId="Equation.DSMT4">
                   <p:embed/>
                 </p:oleObj>
               </mc:Choice>
               <mc:Fallback>
-                <p:oleObj name="Equation" r:id="rId3" imgW="2031840" imgH="241200" progId="Equation.DSMT4">
+                <p:oleObj name="Equation" r:id="rId3" imgW="2082600" imgH="241200" progId="Equation.DSMT4">
                   <p:embed/>
                   <p:pic>
                     <p:nvPicPr>
@@ -21006,8 +21125,8 @@
                     </p:blipFill>
                     <p:spPr>
                       <a:xfrm>
-                        <a:off x="2454275" y="3553978"/>
-                        <a:ext cx="6496050" cy="771525"/>
+                        <a:off x="2454275" y="3568772"/>
+                        <a:ext cx="6657975" cy="771525"/>
                       </a:xfrm>
                       <a:prstGeom prst="rect">
                         <a:avLst/>
@@ -21044,7 +21163,7 @@
           <a:graphicData uri="http://schemas.openxmlformats.org/presentationml/2006/ole">
             <mc:AlternateContent xmlns:mc="http://schemas.openxmlformats.org/markup-compatibility/2006">
               <mc:Choice xmlns:v="urn:schemas-microsoft-com:vml" Requires="v">
-                <p:oleObj spid="_x0000_s16389" name="Equation" r:id="rId5" imgW="2095200" imgH="482400" progId="Equation.DSMT4">
+                <p:oleObj spid="_x0000_s16401" name="Equation" r:id="rId5" imgW="2095200" imgH="482400" progId="Equation.DSMT4">
                   <p:embed/>
                 </p:oleObj>
               </mc:Choice>
@@ -24796,7 +24915,7 @@
           <a:graphicData uri="http://schemas.openxmlformats.org/presentationml/2006/ole">
             <mc:AlternateContent xmlns:mc="http://schemas.openxmlformats.org/markup-compatibility/2006">
               <mc:Choice xmlns:v="urn:schemas-microsoft-com:vml" Requires="v">
-                <p:oleObj spid="_x0000_s4115" name="Worksheet" r:id="rId3" imgW="3667171" imgH="6378771" progId="Excel.Sheet.12">
+                <p:oleObj spid="_x0000_s4121" name="Worksheet" r:id="rId3" imgW="3667171" imgH="6378771" progId="Excel.Sheet.12">
                   <p:embed/>
                 </p:oleObj>
               </mc:Choice>
@@ -26280,7 +26399,7 @@
           <a:graphicData uri="http://schemas.openxmlformats.org/presentationml/2006/ole">
             <mc:AlternateContent xmlns:mc="http://schemas.openxmlformats.org/markup-compatibility/2006">
               <mc:Choice xmlns:v="urn:schemas-microsoft-com:vml" Requires="v">
-                <p:oleObj spid="_x0000_s5139" name="Worksheet" r:id="rId3" imgW="3667171" imgH="6378771" progId="Excel.Sheet.12">
+                <p:oleObj spid="_x0000_s5145" name="Worksheet" r:id="rId3" imgW="3667171" imgH="6378771" progId="Excel.Sheet.12">
                   <p:embed/>
                 </p:oleObj>
               </mc:Choice>
@@ -27118,7 +27237,7 @@
           <a:graphicData uri="http://schemas.openxmlformats.org/presentationml/2006/ole">
             <mc:AlternateContent xmlns:mc="http://schemas.openxmlformats.org/markup-compatibility/2006">
               <mc:Choice xmlns:v="urn:schemas-microsoft-com:vml" Requires="v">
-                <p:oleObj spid="_x0000_s6164" name="Worksheet" r:id="rId3" imgW="3667171" imgH="6378771" progId="Excel.Sheet.12">
+                <p:oleObj spid="_x0000_s6170" name="Worksheet" r:id="rId3" imgW="3667171" imgH="6378771" progId="Excel.Sheet.12">
                   <p:embed/>
                 </p:oleObj>
               </mc:Choice>
